--- a/Airbnb FINAL 5.9.2018.pptx
+++ b/Airbnb FINAL 5.9.2018.pptx
@@ -982,8 +982,8 @@
         <a:lstStyle/>
         <a:p>
           <a:r>
-            <a:rPr lang="en-US"/>
-            <a:t>Problem Statement:   Can we predict if a New Airbnb User will book a room?</a:t>
+            <a:rPr lang="en-US" dirty="0"/>
+            <a:t>Problem Statement:   Can we predict if a New Airbnb User will book and which country?</a:t>
           </a:r>
         </a:p>
       </dgm:t>
@@ -1374,7 +1374,7 @@
   <dgm:whole/>
   <dgm:extLst>
     <a:ext uri="http://schemas.microsoft.com/office/drawing/2008/diagram">
-      <dsp:dataModelExt xmlns:dsp="http://schemas.microsoft.com/office/drawing/2008/diagram" relId="rId6" minVer="http://schemas.openxmlformats.org/drawingml/2006/diagram"/>
+      <dsp:dataModelExt xmlns:dsp="http://schemas.microsoft.com/office/drawing/2008/diagram" relId="rId7" minVer="http://schemas.openxmlformats.org/drawingml/2006/diagram"/>
     </a:ext>
   </dgm:extLst>
 </dgm:dataModel>
@@ -1530,8 +1530,8 @@
             <a:buNone/>
           </a:pPr>
           <a:r>
-            <a:rPr lang="en-US" sz="2200" kern="1200"/>
-            <a:t>Problem Statement:   Can we predict if a New Airbnb User will book a room?</a:t>
+            <a:rPr lang="en-US" sz="2200" kern="1200" dirty="0"/>
+            <a:t>Problem Statement:   Can we predict if a New Airbnb User will book and which country?</a:t>
           </a:r>
         </a:p>
       </dsp:txBody>
@@ -3723,6 +3723,12 @@
           <a:p>
             <a:r>
               <a:rPr lang="en-US" dirty="0"/>
+              <a:t>Dee - </a:t>
+            </a:r>
+          </a:p>
+          <a:p>
+            <a:r>
+              <a:rPr lang="en-US" dirty="0"/>
               <a:t>Intro –</a:t>
             </a:r>
           </a:p>
@@ -3824,9 +3830,45 @@
           <a:lstStyle/>
           <a:p>
             <a:r>
-              <a:rPr lang="en-US" dirty="0"/>
-              <a:t>Zineb</a:t>
+              <a:rPr lang="en-US" dirty="0">
+                <a:latin typeface="Segoe UI" panose="020B0502040204020203" pitchFamily="34" charset="0"/>
+                <a:cs typeface="Segoe UI" panose="020B0502040204020203" pitchFamily="34" charset="0"/>
+              </a:rPr>
+              <a:t>Zineb – </a:t>
             </a:r>
+          </a:p>
+          <a:p>
+            <a:r>
+              <a:rPr lang="en-US" dirty="0">
+                <a:latin typeface="Segoe UI" panose="020B0502040204020203" pitchFamily="34" charset="0"/>
+                <a:cs typeface="Segoe UI" panose="020B0502040204020203" pitchFamily="34" charset="0"/>
+              </a:rPr>
+              <a:t>Another major pattern we developed was the timeframe of account creation and bookings. </a:t>
+            </a:r>
+          </a:p>
+          <a:p>
+            <a:r>
+              <a:rPr lang="en-US" dirty="0">
+                <a:latin typeface="Segoe UI" panose="020B0502040204020203" pitchFamily="34" charset="0"/>
+                <a:cs typeface="Segoe UI" panose="020B0502040204020203" pitchFamily="34" charset="0"/>
+              </a:rPr>
+              <a:t>As we see here, the highest percentages of people who book from account creation is 38.2% and 24.1% (within a week and instantly). </a:t>
+            </a:r>
+          </a:p>
+          <a:p>
+            <a:r>
+              <a:rPr lang="en-US" dirty="0">
+                <a:latin typeface="Segoe UI" panose="020B0502040204020203" pitchFamily="34" charset="0"/>
+                <a:cs typeface="Segoe UI" panose="020B0502040204020203" pitchFamily="34" charset="0"/>
+              </a:rPr>
+              <a:t>So, a total of 62.3% booked in less than a week of account creation.</a:t>
+            </a:r>
+          </a:p>
+          <a:p>
+            <a:endParaRPr lang="en-US" dirty="0">
+              <a:latin typeface="Segoe UI" panose="020B0502040204020203" pitchFamily="34" charset="0"/>
+              <a:cs typeface="Segoe UI" panose="020B0502040204020203" pitchFamily="34" charset="0"/>
+            </a:endParaRPr>
           </a:p>
         </p:txBody>
       </p:sp>
@@ -3837,7 +3879,7 @@
             <a:spLocks noGrp="1"/>
           </p:cNvSpPr>
           <p:nvPr>
-            <p:ph type="sldNum" sz="quarter" idx="5"/>
+            <p:ph type="sldNum" sz="quarter" idx="10"/>
           </p:nvPr>
         </p:nvSpPr>
         <p:spPr/>
@@ -3847,7 +3889,7 @@
           <a:p>
             <a:fld id="{BC849E9A-41F7-4779-A581-48A7C374A227}" type="slidenum">
               <a:rPr lang="en-US" smtClean="0"/>
-              <a:t>11</a:t>
+              <a:t>10</a:t>
             </a:fld>
             <a:endParaRPr lang="en-US" dirty="0"/>
           </a:p>
@@ -3856,7 +3898,7 @@
     </p:spTree>
     <p:extLst>
       <p:ext uri="{BB962C8B-B14F-4D97-AF65-F5344CB8AC3E}">
-        <p14:creationId xmlns:p14="http://schemas.microsoft.com/office/powerpoint/2010/main" val="2991575141"/>
+        <p14:creationId xmlns:p14="http://schemas.microsoft.com/office/powerpoint/2010/main" val="1825341137"/>
       </p:ext>
     </p:extLst>
   </p:cSld>
@@ -3912,7 +3954,106 @@
           <a:p>
             <a:r>
               <a:rPr lang="en-US" dirty="0"/>
-              <a:t>Zineb</a:t>
+              <a:t>Zineb – </a:t>
+            </a:r>
+          </a:p>
+          <a:p>
+            <a:r>
+              <a:rPr lang="en-US" dirty="0"/>
+              <a:t>This graph shows the number of bookings by Device Type. We can see that the highest number of bookings we done through Mac Desktop and Windows Desktop. Whereas, the least number of bookings were done through Tablets and Smart Phones.</a:t>
+            </a:r>
+          </a:p>
+        </p:txBody>
+      </p:sp>
+      <p:sp>
+        <p:nvSpPr>
+          <p:cNvPr id="4" name="Slide Number Placeholder 3"/>
+          <p:cNvSpPr>
+            <a:spLocks noGrp="1"/>
+          </p:cNvSpPr>
+          <p:nvPr>
+            <p:ph type="sldNum" sz="quarter" idx="5"/>
+          </p:nvPr>
+        </p:nvSpPr>
+        <p:spPr/>
+        <p:txBody>
+          <a:bodyPr/>
+          <a:lstStyle/>
+          <a:p>
+            <a:fld id="{BC849E9A-41F7-4779-A581-48A7C374A227}" type="slidenum">
+              <a:rPr lang="en-US" smtClean="0"/>
+              <a:t>11</a:t>
+            </a:fld>
+            <a:endParaRPr lang="en-US" dirty="0"/>
+          </a:p>
+        </p:txBody>
+      </p:sp>
+    </p:spTree>
+    <p:extLst>
+      <p:ext uri="{BB962C8B-B14F-4D97-AF65-F5344CB8AC3E}">
+        <p14:creationId xmlns:p14="http://schemas.microsoft.com/office/powerpoint/2010/main" val="2991575141"/>
+      </p:ext>
+    </p:extLst>
+  </p:cSld>
+  <p:clrMapOvr>
+    <a:masterClrMapping/>
+  </p:clrMapOvr>
+</p:notes>
+</file>
+
+<file path=ppt/notesSlides/notesSlide12.xml><?xml version="1.0" encoding="utf-8"?>
+<p:notes xmlns:a="http://schemas.openxmlformats.org/drawingml/2006/main" xmlns:r="http://schemas.openxmlformats.org/officeDocument/2006/relationships" xmlns:p="http://schemas.openxmlformats.org/presentationml/2006/main">
+  <p:cSld>
+    <p:spTree>
+      <p:nvGrpSpPr>
+        <p:cNvPr id="1" name=""/>
+        <p:cNvGrpSpPr/>
+        <p:nvPr/>
+      </p:nvGrpSpPr>
+      <p:grpSpPr>
+        <a:xfrm>
+          <a:off x="0" y="0"/>
+          <a:ext cx="0" cy="0"/>
+          <a:chOff x="0" y="0"/>
+          <a:chExt cx="0" cy="0"/>
+        </a:xfrm>
+      </p:grpSpPr>
+      <p:sp>
+        <p:nvSpPr>
+          <p:cNvPr id="2" name="Slide Image Placeholder 1"/>
+          <p:cNvSpPr>
+            <a:spLocks noGrp="1" noRot="1" noChangeAspect="1"/>
+          </p:cNvSpPr>
+          <p:nvPr>
+            <p:ph type="sldImg"/>
+          </p:nvPr>
+        </p:nvSpPr>
+        <p:spPr/>
+      </p:sp>
+      <p:sp>
+        <p:nvSpPr>
+          <p:cNvPr id="3" name="Notes Placeholder 2"/>
+          <p:cNvSpPr>
+            <a:spLocks noGrp="1"/>
+          </p:cNvSpPr>
+          <p:nvPr>
+            <p:ph type="body" idx="1"/>
+          </p:nvPr>
+        </p:nvSpPr>
+        <p:spPr/>
+        <p:txBody>
+          <a:bodyPr/>
+          <a:lstStyle/>
+          <a:p>
+            <a:r>
+              <a:rPr lang="en-US" dirty="0"/>
+              <a:t>Zineb – </a:t>
+            </a:r>
+          </a:p>
+          <a:p>
+            <a:r>
+              <a:rPr lang="en-US" dirty="0"/>
+              <a:t>This graph emphasizes the previous graph’s conclusion and it shows the progress of booking devices by year. In addition to the Mac Desktop and Windows Desktop having the highest booking numbers and progress. We also see a pattern of gradual increase of iPhone usage for booking. Which makes sense as this dataset is during the timeframe of 2010 through early 2015, which is when smartphones were becoming more popular.</a:t>
             </a:r>
           </a:p>
         </p:txBody>
@@ -3953,7 +4094,7 @@
 </p:notes>
 </file>
 
-<file path=ppt/notesSlides/notesSlide12.xml><?xml version="1.0" encoding="utf-8"?>
+<file path=ppt/notesSlides/notesSlide13.xml><?xml version="1.0" encoding="utf-8"?>
 <p:notes xmlns:a="http://schemas.openxmlformats.org/drawingml/2006/main" xmlns:r="http://schemas.openxmlformats.org/officeDocument/2006/relationships" xmlns:p="http://schemas.openxmlformats.org/presentationml/2006/main">
   <p:cSld>
     <p:spTree>
@@ -4040,7 +4181,7 @@
 </p:notes>
 </file>
 
-<file path=ppt/notesSlides/notesSlide13.xml><?xml version="1.0" encoding="utf-8"?>
+<file path=ppt/notesSlides/notesSlide14.xml><?xml version="1.0" encoding="utf-8"?>
 <p:notes xmlns:a="http://schemas.openxmlformats.org/drawingml/2006/main" xmlns:r="http://schemas.openxmlformats.org/officeDocument/2006/relationships" xmlns:p="http://schemas.openxmlformats.org/presentationml/2006/main">
   <p:cSld>
     <p:spTree>
@@ -4127,7 +4268,7 @@
 </p:notes>
 </file>
 
-<file path=ppt/notesSlides/notesSlide14.xml><?xml version="1.0" encoding="utf-8"?>
+<file path=ppt/notesSlides/notesSlide15.xml><?xml version="1.0" encoding="utf-8"?>
 <p:notes xmlns:a="http://schemas.openxmlformats.org/drawingml/2006/main" xmlns:r="http://schemas.openxmlformats.org/officeDocument/2006/relationships" xmlns:p="http://schemas.openxmlformats.org/presentationml/2006/main">
   <p:cSld>
     <p:spTree>
@@ -4173,7 +4314,7 @@
           <a:p>
             <a:r>
               <a:rPr lang="en-US" dirty="0"/>
-              <a:t>Dee?</a:t>
+              <a:t>Dee</a:t>
             </a:r>
           </a:p>
         </p:txBody>
@@ -4214,7 +4355,7 @@
 </p:notes>
 </file>
 
-<file path=ppt/notesSlides/notesSlide15.xml><?xml version="1.0" encoding="utf-8"?>
+<file path=ppt/notesSlides/notesSlide16.xml><?xml version="1.0" encoding="utf-8"?>
 <p:notes xmlns:a="http://schemas.openxmlformats.org/drawingml/2006/main" xmlns:r="http://schemas.openxmlformats.org/officeDocument/2006/relationships" xmlns:p="http://schemas.openxmlformats.org/presentationml/2006/main">
   <p:cSld>
     <p:spTree>
@@ -4301,93 +4442,6 @@
 </p:notes>
 </file>
 
-<file path=ppt/notesSlides/notesSlide16.xml><?xml version="1.0" encoding="utf-8"?>
-<p:notes xmlns:a="http://schemas.openxmlformats.org/drawingml/2006/main" xmlns:r="http://schemas.openxmlformats.org/officeDocument/2006/relationships" xmlns:p="http://schemas.openxmlformats.org/presentationml/2006/main">
-  <p:cSld>
-    <p:spTree>
-      <p:nvGrpSpPr>
-        <p:cNvPr id="1" name=""/>
-        <p:cNvGrpSpPr/>
-        <p:nvPr/>
-      </p:nvGrpSpPr>
-      <p:grpSpPr>
-        <a:xfrm>
-          <a:off x="0" y="0"/>
-          <a:ext cx="0" cy="0"/>
-          <a:chOff x="0" y="0"/>
-          <a:chExt cx="0" cy="0"/>
-        </a:xfrm>
-      </p:grpSpPr>
-      <p:sp>
-        <p:nvSpPr>
-          <p:cNvPr id="2" name="Slide Image Placeholder 1"/>
-          <p:cNvSpPr>
-            <a:spLocks noGrp="1" noRot="1" noChangeAspect="1"/>
-          </p:cNvSpPr>
-          <p:nvPr>
-            <p:ph type="sldImg"/>
-          </p:nvPr>
-        </p:nvSpPr>
-        <p:spPr/>
-      </p:sp>
-      <p:sp>
-        <p:nvSpPr>
-          <p:cNvPr id="3" name="Notes Placeholder 2"/>
-          <p:cNvSpPr>
-            <a:spLocks noGrp="1"/>
-          </p:cNvSpPr>
-          <p:nvPr>
-            <p:ph type="body" idx="1"/>
-          </p:nvPr>
-        </p:nvSpPr>
-        <p:spPr/>
-        <p:txBody>
-          <a:bodyPr/>
-          <a:lstStyle/>
-          <a:p>
-            <a:r>
-              <a:rPr lang="en-US" dirty="0"/>
-              <a:t>Dee/Juan?</a:t>
-            </a:r>
-          </a:p>
-        </p:txBody>
-      </p:sp>
-      <p:sp>
-        <p:nvSpPr>
-          <p:cNvPr id="4" name="Slide Number Placeholder 3"/>
-          <p:cNvSpPr>
-            <a:spLocks noGrp="1"/>
-          </p:cNvSpPr>
-          <p:nvPr>
-            <p:ph type="sldNum" sz="quarter" idx="5"/>
-          </p:nvPr>
-        </p:nvSpPr>
-        <p:spPr/>
-        <p:txBody>
-          <a:bodyPr/>
-          <a:lstStyle/>
-          <a:p>
-            <a:fld id="{BC849E9A-41F7-4779-A581-48A7C374A227}" type="slidenum">
-              <a:rPr lang="en-US" smtClean="0"/>
-              <a:t>17</a:t>
-            </a:fld>
-            <a:endParaRPr lang="en-US" dirty="0"/>
-          </a:p>
-        </p:txBody>
-      </p:sp>
-    </p:spTree>
-    <p:extLst>
-      <p:ext uri="{BB962C8B-B14F-4D97-AF65-F5344CB8AC3E}">
-        <p14:creationId xmlns:p14="http://schemas.microsoft.com/office/powerpoint/2010/main" val="969668264"/>
-      </p:ext>
-    </p:extLst>
-  </p:cSld>
-  <p:clrMapOvr>
-    <a:masterClrMapping/>
-  </p:clrMapOvr>
-</p:notes>
-</file>
-
 <file path=ppt/notesSlides/notesSlide17.xml><?xml version="1.0" encoding="utf-8"?>
 <p:notes xmlns:a="http://schemas.openxmlformats.org/drawingml/2006/main" xmlns:r="http://schemas.openxmlformats.org/officeDocument/2006/relationships" xmlns:p="http://schemas.openxmlformats.org/presentationml/2006/main">
   <p:cSld>
@@ -4434,7 +4488,7 @@
           <a:p>
             <a:r>
               <a:rPr lang="en-US" dirty="0"/>
-              <a:t>Dee?</a:t>
+              <a:t>Dee</a:t>
             </a:r>
           </a:p>
         </p:txBody>
@@ -4456,7 +4510,7 @@
           <a:p>
             <a:fld id="{BC849E9A-41F7-4779-A581-48A7C374A227}" type="slidenum">
               <a:rPr lang="en-US" smtClean="0"/>
-              <a:t>20</a:t>
+              <a:t>17</a:t>
             </a:fld>
             <a:endParaRPr lang="en-US" dirty="0"/>
           </a:p>
@@ -4465,7 +4519,7 @@
     </p:spTree>
     <p:extLst>
       <p:ext uri="{BB962C8B-B14F-4D97-AF65-F5344CB8AC3E}">
-        <p14:creationId xmlns:p14="http://schemas.microsoft.com/office/powerpoint/2010/main" val="3732456734"/>
+        <p14:creationId xmlns:p14="http://schemas.microsoft.com/office/powerpoint/2010/main" val="969668264"/>
       </p:ext>
     </p:extLst>
   </p:cSld>
@@ -4521,7 +4575,7 @@
           <a:p>
             <a:r>
               <a:rPr lang="en-US" dirty="0"/>
-              <a:t>Dee?</a:t>
+              <a:t>Juan</a:t>
             </a:r>
           </a:p>
         </p:txBody>
@@ -4543,7 +4597,7 @@
           <a:p>
             <a:fld id="{BC849E9A-41F7-4779-A581-48A7C374A227}" type="slidenum">
               <a:rPr lang="en-US" smtClean="0"/>
-              <a:t>21</a:t>
+              <a:t>18</a:t>
             </a:fld>
             <a:endParaRPr lang="en-US" dirty="0"/>
           </a:p>
@@ -4552,7 +4606,7 @@
     </p:spTree>
     <p:extLst>
       <p:ext uri="{BB962C8B-B14F-4D97-AF65-F5344CB8AC3E}">
-        <p14:creationId xmlns:p14="http://schemas.microsoft.com/office/powerpoint/2010/main" val="1426801440"/>
+        <p14:creationId xmlns:p14="http://schemas.microsoft.com/office/powerpoint/2010/main" val="275170856"/>
       </p:ext>
     </p:extLst>
   </p:cSld>
@@ -4608,7 +4662,7 @@
           <a:p>
             <a:r>
               <a:rPr lang="en-US" dirty="0"/>
-              <a:t>Dee/Juan?</a:t>
+              <a:t>Juan</a:t>
             </a:r>
           </a:p>
         </p:txBody>
@@ -4630,7 +4684,7 @@
           <a:p>
             <a:fld id="{BC849E9A-41F7-4779-A581-48A7C374A227}" type="slidenum">
               <a:rPr lang="en-US" smtClean="0"/>
-              <a:t>23</a:t>
+              <a:t>19</a:t>
             </a:fld>
             <a:endParaRPr lang="en-US" dirty="0"/>
           </a:p>
@@ -4639,7 +4693,7 @@
     </p:spTree>
     <p:extLst>
       <p:ext uri="{BB962C8B-B14F-4D97-AF65-F5344CB8AC3E}">
-        <p14:creationId xmlns:p14="http://schemas.microsoft.com/office/powerpoint/2010/main" val="1722275701"/>
+        <p14:creationId xmlns:p14="http://schemas.microsoft.com/office/powerpoint/2010/main" val="3099984816"/>
       </p:ext>
     </p:extLst>
   </p:cSld>
@@ -4692,6 +4746,12 @@
         <p:txBody>
           <a:bodyPr/>
           <a:lstStyle/>
+          <a:p>
+            <a:r>
+              <a:rPr lang="en-US" dirty="0"/>
+              <a:t>Dee - </a:t>
+            </a:r>
+          </a:p>
           <a:p>
             <a:r>
               <a:rPr lang="en-US" dirty="0"/>
@@ -4781,11 +4841,359 @@
           <a:lstStyle/>
           <a:p>
             <a:r>
+              <a:rPr lang="en-US" dirty="0"/>
+              <a:t>Juan</a:t>
+            </a:r>
+          </a:p>
+        </p:txBody>
+      </p:sp>
+      <p:sp>
+        <p:nvSpPr>
+          <p:cNvPr id="4" name="Slide Number Placeholder 3"/>
+          <p:cNvSpPr>
+            <a:spLocks noGrp="1"/>
+          </p:cNvSpPr>
+          <p:nvPr>
+            <p:ph type="sldNum" sz="quarter" idx="5"/>
+          </p:nvPr>
+        </p:nvSpPr>
+        <p:spPr/>
+        <p:txBody>
+          <a:bodyPr/>
+          <a:lstStyle/>
+          <a:p>
+            <a:fld id="{BC849E9A-41F7-4779-A581-48A7C374A227}" type="slidenum">
+              <a:rPr lang="en-US" smtClean="0"/>
+              <a:t>20</a:t>
+            </a:fld>
+            <a:endParaRPr lang="en-US" dirty="0"/>
+          </a:p>
+        </p:txBody>
+      </p:sp>
+    </p:spTree>
+    <p:extLst>
+      <p:ext uri="{BB962C8B-B14F-4D97-AF65-F5344CB8AC3E}">
+        <p14:creationId xmlns:p14="http://schemas.microsoft.com/office/powerpoint/2010/main" val="3732456734"/>
+      </p:ext>
+    </p:extLst>
+  </p:cSld>
+  <p:clrMapOvr>
+    <a:masterClrMapping/>
+  </p:clrMapOvr>
+</p:notes>
+</file>
+
+<file path=ppt/notesSlides/notesSlide21.xml><?xml version="1.0" encoding="utf-8"?>
+<p:notes xmlns:a="http://schemas.openxmlformats.org/drawingml/2006/main" xmlns:r="http://schemas.openxmlformats.org/officeDocument/2006/relationships" xmlns:p="http://schemas.openxmlformats.org/presentationml/2006/main">
+  <p:cSld>
+    <p:spTree>
+      <p:nvGrpSpPr>
+        <p:cNvPr id="1" name=""/>
+        <p:cNvGrpSpPr/>
+        <p:nvPr/>
+      </p:nvGrpSpPr>
+      <p:grpSpPr>
+        <a:xfrm>
+          <a:off x="0" y="0"/>
+          <a:ext cx="0" cy="0"/>
+          <a:chOff x="0" y="0"/>
+          <a:chExt cx="0" cy="0"/>
+        </a:xfrm>
+      </p:grpSpPr>
+      <p:sp>
+        <p:nvSpPr>
+          <p:cNvPr id="2" name="Slide Image Placeholder 1"/>
+          <p:cNvSpPr>
+            <a:spLocks noGrp="1" noRot="1" noChangeAspect="1"/>
+          </p:cNvSpPr>
+          <p:nvPr>
+            <p:ph type="sldImg"/>
+          </p:nvPr>
+        </p:nvSpPr>
+        <p:spPr/>
+      </p:sp>
+      <p:sp>
+        <p:nvSpPr>
+          <p:cNvPr id="3" name="Notes Placeholder 2"/>
+          <p:cNvSpPr>
+            <a:spLocks noGrp="1"/>
+          </p:cNvSpPr>
+          <p:nvPr>
+            <p:ph type="body" idx="1"/>
+          </p:nvPr>
+        </p:nvSpPr>
+        <p:spPr/>
+        <p:txBody>
+          <a:bodyPr/>
+          <a:lstStyle/>
+          <a:p>
+            <a:r>
+              <a:rPr lang="en-US" dirty="0"/>
+              <a:t>Juan</a:t>
+            </a:r>
+          </a:p>
+        </p:txBody>
+      </p:sp>
+      <p:sp>
+        <p:nvSpPr>
+          <p:cNvPr id="4" name="Slide Number Placeholder 3"/>
+          <p:cNvSpPr>
+            <a:spLocks noGrp="1"/>
+          </p:cNvSpPr>
+          <p:nvPr>
+            <p:ph type="sldNum" sz="quarter" idx="5"/>
+          </p:nvPr>
+        </p:nvSpPr>
+        <p:spPr/>
+        <p:txBody>
+          <a:bodyPr/>
+          <a:lstStyle/>
+          <a:p>
+            <a:fld id="{BC849E9A-41F7-4779-A581-48A7C374A227}" type="slidenum">
+              <a:rPr lang="en-US" smtClean="0"/>
+              <a:t>21</a:t>
+            </a:fld>
+            <a:endParaRPr lang="en-US" dirty="0"/>
+          </a:p>
+        </p:txBody>
+      </p:sp>
+    </p:spTree>
+    <p:extLst>
+      <p:ext uri="{BB962C8B-B14F-4D97-AF65-F5344CB8AC3E}">
+        <p14:creationId xmlns:p14="http://schemas.microsoft.com/office/powerpoint/2010/main" val="1426801440"/>
+      </p:ext>
+    </p:extLst>
+  </p:cSld>
+  <p:clrMapOvr>
+    <a:masterClrMapping/>
+  </p:clrMapOvr>
+</p:notes>
+</file>
+
+<file path=ppt/notesSlides/notesSlide22.xml><?xml version="1.0" encoding="utf-8"?>
+<p:notes xmlns:a="http://schemas.openxmlformats.org/drawingml/2006/main" xmlns:r="http://schemas.openxmlformats.org/officeDocument/2006/relationships" xmlns:p="http://schemas.openxmlformats.org/presentationml/2006/main">
+  <p:cSld>
+    <p:spTree>
+      <p:nvGrpSpPr>
+        <p:cNvPr id="1" name=""/>
+        <p:cNvGrpSpPr/>
+        <p:nvPr/>
+      </p:nvGrpSpPr>
+      <p:grpSpPr>
+        <a:xfrm>
+          <a:off x="0" y="0"/>
+          <a:ext cx="0" cy="0"/>
+          <a:chOff x="0" y="0"/>
+          <a:chExt cx="0" cy="0"/>
+        </a:xfrm>
+      </p:grpSpPr>
+      <p:sp>
+        <p:nvSpPr>
+          <p:cNvPr id="2" name="Slide Image Placeholder 1"/>
+          <p:cNvSpPr>
+            <a:spLocks noGrp="1" noRot="1" noChangeAspect="1"/>
+          </p:cNvSpPr>
+          <p:nvPr>
+            <p:ph type="sldImg"/>
+          </p:nvPr>
+        </p:nvSpPr>
+        <p:spPr/>
+      </p:sp>
+      <p:sp>
+        <p:nvSpPr>
+          <p:cNvPr id="3" name="Notes Placeholder 2"/>
+          <p:cNvSpPr>
+            <a:spLocks noGrp="1"/>
+          </p:cNvSpPr>
+          <p:nvPr>
+            <p:ph type="body" idx="1"/>
+          </p:nvPr>
+        </p:nvSpPr>
+        <p:spPr/>
+        <p:txBody>
+          <a:bodyPr/>
+          <a:lstStyle/>
+          <a:p>
+            <a:r>
+              <a:rPr lang="en-US" dirty="0"/>
+              <a:t>Juan</a:t>
+            </a:r>
+          </a:p>
+        </p:txBody>
+      </p:sp>
+      <p:sp>
+        <p:nvSpPr>
+          <p:cNvPr id="4" name="Slide Number Placeholder 3"/>
+          <p:cNvSpPr>
+            <a:spLocks noGrp="1"/>
+          </p:cNvSpPr>
+          <p:nvPr>
+            <p:ph type="sldNum" sz="quarter" idx="5"/>
+          </p:nvPr>
+        </p:nvSpPr>
+        <p:spPr/>
+        <p:txBody>
+          <a:bodyPr/>
+          <a:lstStyle/>
+          <a:p>
+            <a:fld id="{BC849E9A-41F7-4779-A581-48A7C374A227}" type="slidenum">
+              <a:rPr lang="en-US" smtClean="0"/>
+              <a:t>22</a:t>
+            </a:fld>
+            <a:endParaRPr lang="en-US" dirty="0"/>
+          </a:p>
+        </p:txBody>
+      </p:sp>
+    </p:spTree>
+    <p:extLst>
+      <p:ext uri="{BB962C8B-B14F-4D97-AF65-F5344CB8AC3E}">
+        <p14:creationId xmlns:p14="http://schemas.microsoft.com/office/powerpoint/2010/main" val="978902715"/>
+      </p:ext>
+    </p:extLst>
+  </p:cSld>
+  <p:clrMapOvr>
+    <a:masterClrMapping/>
+  </p:clrMapOvr>
+</p:notes>
+</file>
+
+<file path=ppt/notesSlides/notesSlide23.xml><?xml version="1.0" encoding="utf-8"?>
+<p:notes xmlns:a="http://schemas.openxmlformats.org/drawingml/2006/main" xmlns:r="http://schemas.openxmlformats.org/officeDocument/2006/relationships" xmlns:p="http://schemas.openxmlformats.org/presentationml/2006/main">
+  <p:cSld>
+    <p:spTree>
+      <p:nvGrpSpPr>
+        <p:cNvPr id="1" name=""/>
+        <p:cNvGrpSpPr/>
+        <p:nvPr/>
+      </p:nvGrpSpPr>
+      <p:grpSpPr>
+        <a:xfrm>
+          <a:off x="0" y="0"/>
+          <a:ext cx="0" cy="0"/>
+          <a:chOff x="0" y="0"/>
+          <a:chExt cx="0" cy="0"/>
+        </a:xfrm>
+      </p:grpSpPr>
+      <p:sp>
+        <p:nvSpPr>
+          <p:cNvPr id="2" name="Slide Image Placeholder 1"/>
+          <p:cNvSpPr>
+            <a:spLocks noGrp="1" noRot="1" noChangeAspect="1"/>
+          </p:cNvSpPr>
+          <p:nvPr>
+            <p:ph type="sldImg"/>
+          </p:nvPr>
+        </p:nvSpPr>
+        <p:spPr/>
+      </p:sp>
+      <p:sp>
+        <p:nvSpPr>
+          <p:cNvPr id="3" name="Notes Placeholder 2"/>
+          <p:cNvSpPr>
+            <a:spLocks noGrp="1"/>
+          </p:cNvSpPr>
+          <p:nvPr>
+            <p:ph type="body" idx="1"/>
+          </p:nvPr>
+        </p:nvSpPr>
+        <p:spPr/>
+        <p:txBody>
+          <a:bodyPr/>
+          <a:lstStyle/>
+          <a:p>
+            <a:r>
+              <a:rPr lang="en-US" dirty="0"/>
+              <a:t>Dee</a:t>
+            </a:r>
+          </a:p>
+        </p:txBody>
+      </p:sp>
+      <p:sp>
+        <p:nvSpPr>
+          <p:cNvPr id="4" name="Slide Number Placeholder 3"/>
+          <p:cNvSpPr>
+            <a:spLocks noGrp="1"/>
+          </p:cNvSpPr>
+          <p:nvPr>
+            <p:ph type="sldNum" sz="quarter" idx="5"/>
+          </p:nvPr>
+        </p:nvSpPr>
+        <p:spPr/>
+        <p:txBody>
+          <a:bodyPr/>
+          <a:lstStyle/>
+          <a:p>
+            <a:fld id="{BC849E9A-41F7-4779-A581-48A7C374A227}" type="slidenum">
+              <a:rPr lang="en-US" smtClean="0"/>
+              <a:t>23</a:t>
+            </a:fld>
+            <a:endParaRPr lang="en-US" dirty="0"/>
+          </a:p>
+        </p:txBody>
+      </p:sp>
+    </p:spTree>
+    <p:extLst>
+      <p:ext uri="{BB962C8B-B14F-4D97-AF65-F5344CB8AC3E}">
+        <p14:creationId xmlns:p14="http://schemas.microsoft.com/office/powerpoint/2010/main" val="1722275701"/>
+      </p:ext>
+    </p:extLst>
+  </p:cSld>
+  <p:clrMapOvr>
+    <a:masterClrMapping/>
+  </p:clrMapOvr>
+</p:notes>
+</file>
+
+<file path=ppt/notesSlides/notesSlide24.xml><?xml version="1.0" encoding="utf-8"?>
+<p:notes xmlns:a="http://schemas.openxmlformats.org/drawingml/2006/main" xmlns:r="http://schemas.openxmlformats.org/officeDocument/2006/relationships" xmlns:p="http://schemas.openxmlformats.org/presentationml/2006/main">
+  <p:cSld>
+    <p:spTree>
+      <p:nvGrpSpPr>
+        <p:cNvPr id="1" name=""/>
+        <p:cNvGrpSpPr/>
+        <p:nvPr/>
+      </p:nvGrpSpPr>
+      <p:grpSpPr>
+        <a:xfrm>
+          <a:off x="0" y="0"/>
+          <a:ext cx="0" cy="0"/>
+          <a:chOff x="0" y="0"/>
+          <a:chExt cx="0" cy="0"/>
+        </a:xfrm>
+      </p:grpSpPr>
+      <p:sp>
+        <p:nvSpPr>
+          <p:cNvPr id="2" name="Slide Image Placeholder 1"/>
+          <p:cNvSpPr>
+            <a:spLocks noGrp="1" noRot="1" noChangeAspect="1"/>
+          </p:cNvSpPr>
+          <p:nvPr>
+            <p:ph type="sldImg"/>
+          </p:nvPr>
+        </p:nvSpPr>
+        <p:spPr/>
+      </p:sp>
+      <p:sp>
+        <p:nvSpPr>
+          <p:cNvPr id="3" name="Notes Placeholder 2"/>
+          <p:cNvSpPr>
+            <a:spLocks noGrp="1"/>
+          </p:cNvSpPr>
+          <p:nvPr>
+            <p:ph type="body" idx="1"/>
+          </p:nvPr>
+        </p:nvSpPr>
+        <p:spPr/>
+        <p:txBody>
+          <a:bodyPr/>
+          <a:lstStyle/>
+          <a:p>
+            <a:r>
               <a:rPr lang="en-US" dirty="0">
                 <a:latin typeface="Segoe UI" panose="020B0502040204020203" pitchFamily="34" charset="0"/>
                 <a:cs typeface="Segoe UI" panose="020B0502040204020203" pitchFamily="34" charset="0"/>
               </a:rPr>
-              <a:t>Dee/Juan?</a:t>
+              <a:t>Dee</a:t>
             </a:r>
           </a:p>
         </p:txBody>
@@ -4826,7 +5234,7 @@
 </p:notes>
 </file>
 
-<file path=ppt/notesSlides/notesSlide21.xml><?xml version="1.0" encoding="utf-8"?>
+<file path=ppt/notesSlides/notesSlide25.xml><?xml version="1.0" encoding="utf-8"?>
 <p:notes xmlns:a="http://schemas.openxmlformats.org/drawingml/2006/main" xmlns:r="http://schemas.openxmlformats.org/officeDocument/2006/relationships" xmlns:p="http://schemas.openxmlformats.org/presentationml/2006/main">
   <p:cSld>
     <p:spTree>
@@ -4959,7 +5367,7 @@
           <a:p>
             <a:r>
               <a:rPr lang="en-US" dirty="0"/>
-              <a:t>Tanique</a:t>
+              <a:t>Dee - </a:t>
             </a:r>
           </a:p>
         </p:txBody>
@@ -4981,7 +5389,7 @@
           <a:p>
             <a:fld id="{BC849E9A-41F7-4779-A581-48A7C374A227}" type="slidenum">
               <a:rPr lang="en-US" smtClean="0"/>
-              <a:t>4</a:t>
+              <a:t>3</a:t>
             </a:fld>
             <a:endParaRPr lang="en-US" dirty="0"/>
           </a:p>
@@ -4990,7 +5398,7 @@
     </p:spTree>
     <p:extLst>
       <p:ext uri="{BB962C8B-B14F-4D97-AF65-F5344CB8AC3E}">
-        <p14:creationId xmlns:p14="http://schemas.microsoft.com/office/powerpoint/2010/main" val="3012058785"/>
+        <p14:creationId xmlns:p14="http://schemas.microsoft.com/office/powerpoint/2010/main" val="926739114"/>
       </p:ext>
     </p:extLst>
   </p:cSld>
@@ -5046,7 +5454,7 @@
           <a:p>
             <a:r>
               <a:rPr lang="en-US" dirty="0"/>
-              <a:t>Tanique</a:t>
+              <a:t>Dee - </a:t>
             </a:r>
           </a:p>
         </p:txBody>
@@ -5058,7 +5466,7 @@
             <a:spLocks noGrp="1"/>
           </p:cNvSpPr>
           <p:nvPr>
-            <p:ph type="sldNum" sz="quarter" idx="10"/>
+            <p:ph type="sldNum" sz="quarter" idx="5"/>
           </p:nvPr>
         </p:nvSpPr>
         <p:spPr/>
@@ -5068,7 +5476,7 @@
           <a:p>
             <a:fld id="{BC849E9A-41F7-4779-A581-48A7C374A227}" type="slidenum">
               <a:rPr lang="en-US" smtClean="0"/>
-              <a:t>5</a:t>
+              <a:t>4</a:t>
             </a:fld>
             <a:endParaRPr lang="en-US" dirty="0"/>
           </a:p>
@@ -5077,7 +5485,7 @@
     </p:spTree>
     <p:extLst>
       <p:ext uri="{BB962C8B-B14F-4D97-AF65-F5344CB8AC3E}">
-        <p14:creationId xmlns:p14="http://schemas.microsoft.com/office/powerpoint/2010/main" val="4192102506"/>
+        <p14:creationId xmlns:p14="http://schemas.microsoft.com/office/powerpoint/2010/main" val="3012058785"/>
       </p:ext>
     </p:extLst>
   </p:cSld>
@@ -5133,7 +5541,7 @@
           <a:p>
             <a:r>
               <a:rPr lang="en-US" dirty="0"/>
-              <a:t>Tanique</a:t>
+              <a:t>Dee</a:t>
             </a:r>
           </a:p>
         </p:txBody>
@@ -5145,7 +5553,7 @@
             <a:spLocks noGrp="1"/>
           </p:cNvSpPr>
           <p:nvPr>
-            <p:ph type="sldNum" sz="quarter" idx="5"/>
+            <p:ph type="sldNum" sz="quarter" idx="10"/>
           </p:nvPr>
         </p:nvSpPr>
         <p:spPr/>
@@ -5155,7 +5563,7 @@
           <a:p>
             <a:fld id="{BC849E9A-41F7-4779-A581-48A7C374A227}" type="slidenum">
               <a:rPr lang="en-US" smtClean="0"/>
-              <a:t>6</a:t>
+              <a:t>5</a:t>
             </a:fld>
             <a:endParaRPr lang="en-US" dirty="0"/>
           </a:p>
@@ -5164,7 +5572,7 @@
     </p:spTree>
     <p:extLst>
       <p:ext uri="{BB962C8B-B14F-4D97-AF65-F5344CB8AC3E}">
-        <p14:creationId xmlns:p14="http://schemas.microsoft.com/office/powerpoint/2010/main" val="561548436"/>
+        <p14:creationId xmlns:p14="http://schemas.microsoft.com/office/powerpoint/2010/main" val="4192102506"/>
       </p:ext>
     </p:extLst>
   </p:cSld>
@@ -5218,9 +5626,93 @@
           <a:bodyPr/>
           <a:lstStyle/>
           <a:p>
+            <a:endParaRPr lang="en-US" dirty="0"/>
+          </a:p>
+        </p:txBody>
+      </p:sp>
+      <p:sp>
+        <p:nvSpPr>
+          <p:cNvPr id="4" name="Slide Number Placeholder 3"/>
+          <p:cNvSpPr>
+            <a:spLocks noGrp="1"/>
+          </p:cNvSpPr>
+          <p:nvPr>
+            <p:ph type="sldNum" sz="quarter" idx="5"/>
+          </p:nvPr>
+        </p:nvSpPr>
+        <p:spPr/>
+        <p:txBody>
+          <a:bodyPr/>
+          <a:lstStyle/>
+          <a:p>
+            <a:fld id="{BC849E9A-41F7-4779-A581-48A7C374A227}" type="slidenum">
+              <a:rPr lang="en-US" smtClean="0"/>
+              <a:t>6</a:t>
+            </a:fld>
+            <a:endParaRPr lang="en-US" dirty="0"/>
+          </a:p>
+        </p:txBody>
+      </p:sp>
+    </p:spTree>
+    <p:extLst>
+      <p:ext uri="{BB962C8B-B14F-4D97-AF65-F5344CB8AC3E}">
+        <p14:creationId xmlns:p14="http://schemas.microsoft.com/office/powerpoint/2010/main" val="561548436"/>
+      </p:ext>
+    </p:extLst>
+  </p:cSld>
+  <p:clrMapOvr>
+    <a:masterClrMapping/>
+  </p:clrMapOvr>
+</p:notes>
+</file>
+
+<file path=ppt/notesSlides/notesSlide7.xml><?xml version="1.0" encoding="utf-8"?>
+<p:notes xmlns:a="http://schemas.openxmlformats.org/drawingml/2006/main" xmlns:r="http://schemas.openxmlformats.org/officeDocument/2006/relationships" xmlns:p="http://schemas.openxmlformats.org/presentationml/2006/main">
+  <p:cSld>
+    <p:spTree>
+      <p:nvGrpSpPr>
+        <p:cNvPr id="1" name=""/>
+        <p:cNvGrpSpPr/>
+        <p:nvPr/>
+      </p:nvGrpSpPr>
+      <p:grpSpPr>
+        <a:xfrm>
+          <a:off x="0" y="0"/>
+          <a:ext cx="0" cy="0"/>
+          <a:chOff x="0" y="0"/>
+          <a:chExt cx="0" cy="0"/>
+        </a:xfrm>
+      </p:grpSpPr>
+      <p:sp>
+        <p:nvSpPr>
+          <p:cNvPr id="2" name="Slide Image Placeholder 1"/>
+          <p:cNvSpPr>
+            <a:spLocks noGrp="1" noRot="1" noChangeAspect="1"/>
+          </p:cNvSpPr>
+          <p:nvPr>
+            <p:ph type="sldImg"/>
+          </p:nvPr>
+        </p:nvSpPr>
+        <p:spPr/>
+      </p:sp>
+      <p:sp>
+        <p:nvSpPr>
+          <p:cNvPr id="3" name="Notes Placeholder 2"/>
+          <p:cNvSpPr>
+            <a:spLocks noGrp="1"/>
+          </p:cNvSpPr>
+          <p:nvPr>
+            <p:ph type="body" idx="1"/>
+          </p:nvPr>
+        </p:nvSpPr>
+        <p:spPr/>
+        <p:txBody>
+          <a:bodyPr/>
+          <a:lstStyle/>
+          <a:p>
             <a:r>
               <a:rPr lang="en-US" dirty="0"/>
-              <a:t>Tanique - </a:t>
+              <a:t>Zineb - </a:t>
             </a:r>
           </a:p>
           <a:p>
@@ -5278,7 +5770,7 @@
 </p:notes>
 </file>
 
-<file path=ppt/notesSlides/notesSlide7.xml><?xml version="1.0" encoding="utf-8"?>
+<file path=ppt/notesSlides/notesSlide8.xml><?xml version="1.0" encoding="utf-8"?>
 <p:notes xmlns:a="http://schemas.openxmlformats.org/drawingml/2006/main" xmlns:r="http://schemas.openxmlformats.org/officeDocument/2006/relationships" xmlns:p="http://schemas.openxmlformats.org/presentationml/2006/main">
   <p:cSld>
     <p:spTree>
@@ -5324,8 +5816,23 @@
           <a:p>
             <a:r>
               <a:rPr lang="en-US" dirty="0"/>
-              <a:t>Zineb</a:t>
+              <a:t>Zineb – </a:t>
             </a:r>
+          </a:p>
+          <a:p>
+            <a:r>
+              <a:rPr lang="en-US" dirty="0"/>
+              <a:t>There continue to be new Python and Tableau features and code to learn and utilize.  The journey of learning has just begun.</a:t>
+            </a:r>
+          </a:p>
+          <a:p>
+            <a:r>
+              <a:rPr lang="en-US" dirty="0"/>
+              <a:t>Exploratory Data Analysis in Tableau enabled more efficient profiling and analyses.</a:t>
+            </a:r>
+          </a:p>
+          <a:p>
+            <a:endParaRPr lang="en-US" dirty="0"/>
           </a:p>
         </p:txBody>
       </p:sp>
@@ -5356,97 +5863,6 @@
     <p:extLst>
       <p:ext uri="{BB962C8B-B14F-4D97-AF65-F5344CB8AC3E}">
         <p14:creationId xmlns:p14="http://schemas.microsoft.com/office/powerpoint/2010/main" val="737034442"/>
-      </p:ext>
-    </p:extLst>
-  </p:cSld>
-  <p:clrMapOvr>
-    <a:masterClrMapping/>
-  </p:clrMapOvr>
-</p:notes>
-</file>
-
-<file path=ppt/notesSlides/notesSlide8.xml><?xml version="1.0" encoding="utf-8"?>
-<p:notes xmlns:a="http://schemas.openxmlformats.org/drawingml/2006/main" xmlns:r="http://schemas.openxmlformats.org/officeDocument/2006/relationships" xmlns:p="http://schemas.openxmlformats.org/presentationml/2006/main">
-  <p:cSld>
-    <p:spTree>
-      <p:nvGrpSpPr>
-        <p:cNvPr id="1" name=""/>
-        <p:cNvGrpSpPr/>
-        <p:nvPr/>
-      </p:nvGrpSpPr>
-      <p:grpSpPr>
-        <a:xfrm>
-          <a:off x="0" y="0"/>
-          <a:ext cx="0" cy="0"/>
-          <a:chOff x="0" y="0"/>
-          <a:chExt cx="0" cy="0"/>
-        </a:xfrm>
-      </p:grpSpPr>
-      <p:sp>
-        <p:nvSpPr>
-          <p:cNvPr id="2" name="Slide Image Placeholder 1"/>
-          <p:cNvSpPr>
-            <a:spLocks noGrp="1" noRot="1" noChangeAspect="1"/>
-          </p:cNvSpPr>
-          <p:nvPr>
-            <p:ph type="sldImg"/>
-          </p:nvPr>
-        </p:nvSpPr>
-        <p:spPr/>
-      </p:sp>
-      <p:sp>
-        <p:nvSpPr>
-          <p:cNvPr id="3" name="Notes Placeholder 2"/>
-          <p:cNvSpPr>
-            <a:spLocks noGrp="1"/>
-          </p:cNvSpPr>
-          <p:nvPr>
-            <p:ph type="body" idx="1"/>
-          </p:nvPr>
-        </p:nvSpPr>
-        <p:spPr/>
-        <p:txBody>
-          <a:bodyPr/>
-          <a:lstStyle/>
-          <a:p>
-            <a:pPr marL="0" indent="0">
-              <a:buFont typeface="Arial" panose="020B0604020202020204" pitchFamily="34" charset="0"/>
-              <a:buNone/>
-            </a:pPr>
-            <a:r>
-              <a:rPr lang="en-US"/>
-              <a:t>Zineb</a:t>
-            </a:r>
-          </a:p>
-        </p:txBody>
-      </p:sp>
-      <p:sp>
-        <p:nvSpPr>
-          <p:cNvPr id="4" name="Slide Number Placeholder 3"/>
-          <p:cNvSpPr>
-            <a:spLocks noGrp="1"/>
-          </p:cNvSpPr>
-          <p:nvPr>
-            <p:ph type="sldNum" sz="quarter" idx="10"/>
-          </p:nvPr>
-        </p:nvSpPr>
-        <p:spPr/>
-        <p:txBody>
-          <a:bodyPr/>
-          <a:lstStyle/>
-          <a:p>
-            <a:fld id="{BC849E9A-41F7-4779-A581-48A7C374A227}" type="slidenum">
-              <a:rPr lang="en-US" smtClean="0"/>
-              <a:t>9</a:t>
-            </a:fld>
-            <a:endParaRPr lang="en-US" dirty="0"/>
-          </a:p>
-        </p:txBody>
-      </p:sp>
-    </p:spTree>
-    <p:extLst>
-      <p:ext uri="{BB962C8B-B14F-4D97-AF65-F5344CB8AC3E}">
-        <p14:creationId xmlns:p14="http://schemas.microsoft.com/office/powerpoint/2010/main" val="4224310962"/>
       </p:ext>
     </p:extLst>
   </p:cSld>
@@ -5500,13 +5916,41 @@
           <a:bodyPr/>
           <a:lstStyle/>
           <a:p>
+            <a:pPr marL="0" indent="0">
+              <a:buFont typeface="Arial" panose="020B0604020202020204" pitchFamily="34" charset="0"/>
+              <a:buNone/>
+            </a:pPr>
             <a:r>
-              <a:rPr lang="en-US" dirty="0">
-                <a:latin typeface="Segoe UI" panose="020B0502040204020203" pitchFamily="34" charset="0"/>
-                <a:cs typeface="Segoe UI" panose="020B0502040204020203" pitchFamily="34" charset="0"/>
-              </a:rPr>
-              <a:t>Zineb</a:t>
+              <a:rPr lang="en-US" dirty="0"/>
+              <a:t>Zineb – </a:t>
             </a:r>
+          </a:p>
+          <a:p>
+            <a:pPr marL="0" indent="0">
+              <a:buFont typeface="Arial" panose="020B0604020202020204" pitchFamily="34" charset="0"/>
+              <a:buNone/>
+            </a:pPr>
+            <a:r>
+              <a:rPr lang="en-US" dirty="0"/>
+              <a:t>First is this heatmap of the countries booked. And as you can see, the darker the color, the higher number of bookings in that country.</a:t>
+            </a:r>
+          </a:p>
+          <a:p>
+            <a:pPr marL="0" indent="0">
+              <a:buFont typeface="Arial" panose="020B0604020202020204" pitchFamily="34" charset="0"/>
+              <a:buNone/>
+            </a:pPr>
+            <a:r>
+              <a:rPr lang="en-US" dirty="0"/>
+              <a:t>From this map, we can see that the US is the country with the highest number of bookings, followed by Western Europe then Canada. </a:t>
+            </a:r>
+          </a:p>
+          <a:p>
+            <a:pPr marL="0" indent="0">
+              <a:buFont typeface="Arial" panose="020B0604020202020204" pitchFamily="34" charset="0"/>
+              <a:buNone/>
+            </a:pPr>
+            <a:endParaRPr lang="en-US" dirty="0"/>
           </a:p>
         </p:txBody>
       </p:sp>
@@ -5527,7 +5971,7 @@
           <a:p>
             <a:fld id="{BC849E9A-41F7-4779-A581-48A7C374A227}" type="slidenum">
               <a:rPr lang="en-US" smtClean="0"/>
-              <a:t>10</a:t>
+              <a:t>9</a:t>
             </a:fld>
             <a:endParaRPr lang="en-US" dirty="0"/>
           </a:p>
@@ -5536,7 +5980,7 @@
     </p:spTree>
     <p:extLst>
       <p:ext uri="{BB962C8B-B14F-4D97-AF65-F5344CB8AC3E}">
-        <p14:creationId xmlns:p14="http://schemas.microsoft.com/office/powerpoint/2010/main" val="1825341137"/>
+        <p14:creationId xmlns:p14="http://schemas.microsoft.com/office/powerpoint/2010/main" val="4224310962"/>
       </p:ext>
     </p:extLst>
   </p:cSld>
@@ -8892,14 +9336,14 @@
           </a:bodyPr>
           <a:lstStyle/>
           <a:p>
-            <a:pPr algn="r"/>
+            <a:pPr algn="ctr"/>
             <a:r>
               <a:rPr lang="en-US" sz="2800" b="1" dirty="0">
                 <a:solidFill>
                   <a:srgbClr val="FFFFFF"/>
                 </a:solidFill>
               </a:rPr>
-              <a:t>Can we predict if New Users will book or not?</a:t>
+              <a:t>Can we predict if New Users will book or not and which country?</a:t>
             </a:r>
             <a:endParaRPr lang="en-US" sz="2800" b="1" kern="1200" dirty="0">
               <a:solidFill>
@@ -9076,7 +9520,7 @@
                   <a:srgbClr val="FFFFFF"/>
                 </a:solidFill>
               </a:rPr>
-              <a:t>Team “The Aggregators?”:</a:t>
+              <a:t>Team “The Aggregators”:</a:t>
             </a:r>
           </a:p>
           <a:p>
@@ -31513,7 +31957,7 @@
           </p:nvPr>
         </p:nvPicPr>
         <p:blipFill>
-          <a:blip r:embed="rId2">
+          <a:blip r:embed="rId3">
             <a:extLst>
               <a:ext uri="{28A0092B-C50C-407E-A947-70E740481C1C}">
                 <a14:useLocalDpi xmlns:a14="http://schemas.microsoft.com/office/drawing/2010/main" val="0"/>
@@ -34086,7 +34530,7 @@
             <p:ph idx="1"/>
             <p:extLst>
               <p:ext uri="{D42A27DB-BD31-4B8C-83A1-F6EECF244321}">
-                <p14:modId xmlns:p14="http://schemas.microsoft.com/office/powerpoint/2010/main" val="843488629"/>
+                <p14:modId xmlns:p14="http://schemas.microsoft.com/office/powerpoint/2010/main" val="3498044395"/>
               </p:ext>
             </p:extLst>
           </p:nvPr>
@@ -34097,7 +34541,7 @@
         </p:xfrm>
         <a:graphic>
           <a:graphicData uri="http://schemas.openxmlformats.org/drawingml/2006/diagram">
-            <dgm:relIds xmlns:dgm="http://schemas.openxmlformats.org/drawingml/2006/diagram" xmlns:r="http://schemas.openxmlformats.org/officeDocument/2006/relationships" r:dm="rId2" r:lo="rId3" r:qs="rId4" r:cs="rId5"/>
+            <dgm:relIds xmlns:dgm="http://schemas.openxmlformats.org/drawingml/2006/diagram" xmlns:r="http://schemas.openxmlformats.org/officeDocument/2006/relationships" r:dm="rId3" r:lo="rId4" r:qs="rId5" r:cs="rId6"/>
           </a:graphicData>
         </a:graphic>
       </p:graphicFrame>
